--- a/report_and_slides/Lab_B_R09921132_劉彥甫.pptx
+++ b/report_and_slides/Lab_B_R09921132_劉彥甫.pptx
@@ -7,7 +7,7 @@
     <p:sldMasterId id="2147483673" r:id="rId3"/>
   </p:sldMasterIdLst>
   <p:notesMasterIdLst>
-    <p:notesMasterId r:id="rId27"/>
+    <p:notesMasterId r:id="rId31"/>
   </p:notesMasterIdLst>
   <p:sldIdLst>
     <p:sldId id="349" r:id="rId4"/>
@@ -24,15 +24,19 @@
     <p:sldId id="382" r:id="rId15"/>
     <p:sldId id="383" r:id="rId16"/>
     <p:sldId id="384" r:id="rId17"/>
-    <p:sldId id="385" r:id="rId18"/>
-    <p:sldId id="386" r:id="rId19"/>
-    <p:sldId id="387" r:id="rId20"/>
-    <p:sldId id="388" r:id="rId21"/>
-    <p:sldId id="390" r:id="rId22"/>
-    <p:sldId id="391" r:id="rId23"/>
+    <p:sldId id="393" r:id="rId18"/>
+    <p:sldId id="385" r:id="rId19"/>
+    <p:sldId id="386" r:id="rId20"/>
+    <p:sldId id="387" r:id="rId21"/>
+    <p:sldId id="388" r:id="rId22"/>
+    <p:sldId id="390" r:id="rId23"/>
     <p:sldId id="389" r:id="rId24"/>
-    <p:sldId id="370" r:id="rId25"/>
-    <p:sldId id="346" r:id="rId26"/>
+    <p:sldId id="395" r:id="rId25"/>
+    <p:sldId id="391" r:id="rId26"/>
+    <p:sldId id="392" r:id="rId27"/>
+    <p:sldId id="394" r:id="rId28"/>
+    <p:sldId id="370" r:id="rId29"/>
+    <p:sldId id="346" r:id="rId30"/>
   </p:sldIdLst>
   <p:sldSz cx="12192000" cy="6858000"/>
   <p:notesSz cx="6858000" cy="9144000"/>
@@ -235,7 +239,7 @@
           <a:p>
             <a:fld id="{4AAAF045-FEF6-43EA-9CDC-C84FC3F85E9C}" type="datetimeFigureOut">
               <a:rPr lang="en-US" smtClean="0"/>
-              <a:t>10/27/21</a:t>
+              <a:t>10/29/21</a:t>
             </a:fld>
             <a:endParaRPr lang="en-US"/>
           </a:p>
@@ -6611,7 +6615,7 @@
           <p:cNvPr id="2" name="文字版面配置區 1">
             <a:extLst>
               <a:ext uri="{FF2B5EF4-FFF2-40B4-BE49-F238E27FC236}">
-                <a16:creationId xmlns:a16="http://schemas.microsoft.com/office/drawing/2014/main" id="{EA63F504-B783-5F4F-94A8-146E8D6FA6DE}"/>
+                <a16:creationId xmlns:a16="http://schemas.microsoft.com/office/drawing/2014/main" id="{0C55531C-2CA8-3C45-8C20-924395B6FE3B}"/>
               </a:ext>
             </a:extLst>
           </p:cNvPr>
@@ -6630,9 +6634,10 @@
           <a:lstStyle/>
           <a:p>
             <a:r>
-              <a:rPr kumimoji="1" lang="en" altLang="zh-TW" dirty="0"/>
-              <a:t>Does the function actually speed up?</a:t>
-            </a:r>
+              <a:rPr kumimoji="1" lang="en-US" altLang="zh-TW" dirty="0"/>
+              <a:t>Single buffer execution timeline</a:t>
+            </a:r>
+            <a:endParaRPr kumimoji="1" lang="zh-TW" altLang="en-US" dirty="0"/>
           </a:p>
         </p:txBody>
       </p:sp>
@@ -6641,7 +6646,7 @@
           <p:cNvPr id="3" name="投影片編號版面配置區 2">
             <a:extLst>
               <a:ext uri="{FF2B5EF4-FFF2-40B4-BE49-F238E27FC236}">
-                <a16:creationId xmlns:a16="http://schemas.microsoft.com/office/drawing/2014/main" id="{11DF167F-7879-104C-82AA-C6418908222F}"/>
+                <a16:creationId xmlns:a16="http://schemas.microsoft.com/office/drawing/2014/main" id="{2FA9BF21-1E2C-B84A-A9CA-D9592345767E}"/>
               </a:ext>
             </a:extLst>
           </p:cNvPr>
@@ -6660,6 +6665,125 @@
             <a:fld id="{A5B8A6B3-FE61-B84D-AA6F-5C7FC31546FA}" type="slidenum">
               <a:rPr kumimoji="1" lang="zh-TW" altLang="en-US" smtClean="0"/>
               <a:t>15</a:t>
+            </a:fld>
+            <a:endParaRPr kumimoji="1" lang="zh-TW" altLang="en-US"/>
+          </a:p>
+        </p:txBody>
+      </p:sp>
+      <p:pic>
+        <p:nvPicPr>
+          <p:cNvPr id="4" name="圖片 3">
+            <a:extLst>
+              <a:ext uri="{FF2B5EF4-FFF2-40B4-BE49-F238E27FC236}">
+                <a16:creationId xmlns:a16="http://schemas.microsoft.com/office/drawing/2014/main" id="{1A329BF7-01FA-BA4A-8A1D-D02C9DADF7DD}"/>
+              </a:ext>
+            </a:extLst>
+          </p:cNvPr>
+          <p:cNvPicPr>
+            <a:picLocks noChangeAspect="1"/>
+          </p:cNvPicPr>
+          <p:nvPr/>
+        </p:nvPicPr>
+        <p:blipFill>
+          <a:blip r:embed="rId2"/>
+          <a:stretch>
+            <a:fillRect/>
+          </a:stretch>
+        </p:blipFill>
+        <p:spPr>
+          <a:xfrm>
+            <a:off x="1516275" y="1931495"/>
+            <a:ext cx="9159450" cy="4424855"/>
+          </a:xfrm>
+          <a:prstGeom prst="rect">
+            <a:avLst/>
+          </a:prstGeom>
+        </p:spPr>
+      </p:pic>
+    </p:spTree>
+    <p:extLst>
+      <p:ext uri="{BB962C8B-B14F-4D97-AF65-F5344CB8AC3E}">
+        <p14:creationId xmlns:p14="http://schemas.microsoft.com/office/powerpoint/2010/main" val="4204653725"/>
+      </p:ext>
+    </p:extLst>
+  </p:cSld>
+  <p:clrMapOvr>
+    <a:masterClrMapping/>
+  </p:clrMapOvr>
+</p:sld>
+</file>
+
+<file path=ppt/slides/slide16.xml><?xml version="1.0" encoding="utf-8"?>
+<p:sld xmlns:a="http://schemas.openxmlformats.org/drawingml/2006/main" xmlns:r="http://schemas.openxmlformats.org/officeDocument/2006/relationships" xmlns:p="http://schemas.openxmlformats.org/presentationml/2006/main">
+  <p:cSld>
+    <p:spTree>
+      <p:nvGrpSpPr>
+        <p:cNvPr id="1" name=""/>
+        <p:cNvGrpSpPr/>
+        <p:nvPr/>
+      </p:nvGrpSpPr>
+      <p:grpSpPr>
+        <a:xfrm>
+          <a:off x="0" y="0"/>
+          <a:ext cx="0" cy="0"/>
+          <a:chOff x="0" y="0"/>
+          <a:chExt cx="0" cy="0"/>
+        </a:xfrm>
+      </p:grpSpPr>
+      <p:sp>
+        <p:nvSpPr>
+          <p:cNvPr id="2" name="文字版面配置區 1">
+            <a:extLst>
+              <a:ext uri="{FF2B5EF4-FFF2-40B4-BE49-F238E27FC236}">
+                <a16:creationId xmlns:a16="http://schemas.microsoft.com/office/drawing/2014/main" id="{EA63F504-B783-5F4F-94A8-146E8D6FA6DE}"/>
+              </a:ext>
+            </a:extLst>
+          </p:cNvPr>
+          <p:cNvSpPr>
+            <a:spLocks noGrp="1"/>
+          </p:cNvSpPr>
+          <p:nvPr>
+            <p:ph type="body" sz="quarter" idx="10"/>
+          </p:nvPr>
+        </p:nvSpPr>
+        <p:spPr/>
+        <p:txBody>
+          <a:bodyPr>
+            <a:normAutofit fontScale="92500" lnSpcReduction="10000"/>
+          </a:bodyPr>
+          <a:lstStyle/>
+          <a:p>
+            <a:r>
+              <a:rPr kumimoji="1" lang="en" altLang="zh-TW" dirty="0"/>
+              <a:t>Does the function actually speed up?</a:t>
+            </a:r>
+          </a:p>
+        </p:txBody>
+      </p:sp>
+      <p:sp>
+        <p:nvSpPr>
+          <p:cNvPr id="3" name="投影片編號版面配置區 2">
+            <a:extLst>
+              <a:ext uri="{FF2B5EF4-FFF2-40B4-BE49-F238E27FC236}">
+                <a16:creationId xmlns:a16="http://schemas.microsoft.com/office/drawing/2014/main" id="{11DF167F-7879-104C-82AA-C6418908222F}"/>
+              </a:ext>
+            </a:extLst>
+          </p:cNvPr>
+          <p:cNvSpPr>
+            <a:spLocks noGrp="1"/>
+          </p:cNvSpPr>
+          <p:nvPr>
+            <p:ph type="sldNum" sz="quarter" idx="12"/>
+          </p:nvPr>
+        </p:nvSpPr>
+        <p:spPr/>
+        <p:txBody>
+          <a:bodyPr/>
+          <a:lstStyle/>
+          <a:p>
+            <a:fld id="{A5B8A6B3-FE61-B84D-AA6F-5C7FC31546FA}" type="slidenum">
+              <a:rPr kumimoji="1" lang="zh-TW" altLang="en-US" smtClean="0"/>
+              <a:t>16</a:t>
             </a:fld>
             <a:endParaRPr kumimoji="1" lang="zh-TW" altLang="en-US"/>
           </a:p>
@@ -6708,7 +6832,7 @@
 </p:sld>
 </file>
 
-<file path=ppt/slides/slide16.xml><?xml version="1.0" encoding="utf-8"?>
+<file path=ppt/slides/slide17.xml><?xml version="1.0" encoding="utf-8"?>
 <p:sld xmlns:a="http://schemas.openxmlformats.org/drawingml/2006/main" xmlns:r="http://schemas.openxmlformats.org/officeDocument/2006/relationships" xmlns:p="http://schemas.openxmlformats.org/presentationml/2006/main">
   <p:cSld>
     <p:spTree>
@@ -6778,7 +6902,7 @@
           <a:p>
             <a:fld id="{A5B8A6B3-FE61-B84D-AA6F-5C7FC31546FA}" type="slidenum">
               <a:rPr kumimoji="1" lang="zh-TW" altLang="en-US" smtClean="0"/>
-              <a:t>16</a:t>
+              <a:t>17</a:t>
             </a:fld>
             <a:endParaRPr kumimoji="1" lang="zh-TW" altLang="en-US"/>
           </a:p>
@@ -6827,7 +6951,7 @@
 </p:sld>
 </file>
 
-<file path=ppt/slides/slide17.xml><?xml version="1.0" encoding="utf-8"?>
+<file path=ppt/slides/slide18.xml><?xml version="1.0" encoding="utf-8"?>
 <p:sld xmlns:a="http://schemas.openxmlformats.org/drawingml/2006/main" xmlns:r="http://schemas.openxmlformats.org/officeDocument/2006/relationships" xmlns:p="http://schemas.openxmlformats.org/presentationml/2006/main">
   <p:cSld>
     <p:spTree>
@@ -6897,7 +7021,7 @@
           <a:p>
             <a:fld id="{A5B8A6B3-FE61-B84D-AA6F-5C7FC31546FA}" type="slidenum">
               <a:rPr kumimoji="1" lang="zh-TW" altLang="en-US" smtClean="0"/>
-              <a:t>17</a:t>
+              <a:t>18</a:t>
             </a:fld>
             <a:endParaRPr kumimoji="1" lang="zh-TW" altLang="en-US"/>
           </a:p>
@@ -6946,7 +7070,7 @@
 </p:sld>
 </file>
 
-<file path=ppt/slides/slide18.xml><?xml version="1.0" encoding="utf-8"?>
+<file path=ppt/slides/slide19.xml><?xml version="1.0" encoding="utf-8"?>
 <p:sld xmlns:a="http://schemas.openxmlformats.org/drawingml/2006/main" xmlns:r="http://schemas.openxmlformats.org/officeDocument/2006/relationships" xmlns:p="http://schemas.openxmlformats.org/presentationml/2006/main">
   <p:cSld>
     <p:spTree>
@@ -7016,7 +7140,7 @@
           <a:p>
             <a:fld id="{A5B8A6B3-FE61-B84D-AA6F-5C7FC31546FA}" type="slidenum">
               <a:rPr kumimoji="1" lang="zh-TW" altLang="en-US" smtClean="0"/>
-              <a:t>18</a:t>
+              <a:t>19</a:t>
             </a:fld>
             <a:endParaRPr kumimoji="1" lang="zh-TW" altLang="en-US"/>
           </a:p>
@@ -7056,125 +7180,6 @@
     <p:extLst>
       <p:ext uri="{BB962C8B-B14F-4D97-AF65-F5344CB8AC3E}">
         <p14:creationId xmlns:p14="http://schemas.microsoft.com/office/powerpoint/2010/main" val="799513703"/>
-      </p:ext>
-    </p:extLst>
-  </p:cSld>
-  <p:clrMapOvr>
-    <a:masterClrMapping/>
-  </p:clrMapOvr>
-</p:sld>
-</file>
-
-<file path=ppt/slides/slide19.xml><?xml version="1.0" encoding="utf-8"?>
-<p:sld xmlns:a="http://schemas.openxmlformats.org/drawingml/2006/main" xmlns:r="http://schemas.openxmlformats.org/officeDocument/2006/relationships" xmlns:p="http://schemas.openxmlformats.org/presentationml/2006/main">
-  <p:cSld>
-    <p:spTree>
-      <p:nvGrpSpPr>
-        <p:cNvPr id="1" name=""/>
-        <p:cNvGrpSpPr/>
-        <p:nvPr/>
-      </p:nvGrpSpPr>
-      <p:grpSpPr>
-        <a:xfrm>
-          <a:off x="0" y="0"/>
-          <a:ext cx="0" cy="0"/>
-          <a:chOff x="0" y="0"/>
-          <a:chExt cx="0" cy="0"/>
-        </a:xfrm>
-      </p:grpSpPr>
-      <p:sp>
-        <p:nvSpPr>
-          <p:cNvPr id="2" name="文字版面配置區 1">
-            <a:extLst>
-              <a:ext uri="{FF2B5EF4-FFF2-40B4-BE49-F238E27FC236}">
-                <a16:creationId xmlns:a16="http://schemas.microsoft.com/office/drawing/2014/main" id="{EA63F504-B783-5F4F-94A8-146E8D6FA6DE}"/>
-              </a:ext>
-            </a:extLst>
-          </p:cNvPr>
-          <p:cNvSpPr>
-            <a:spLocks noGrp="1"/>
-          </p:cNvSpPr>
-          <p:nvPr>
-            <p:ph type="body" sz="quarter" idx="10"/>
-          </p:nvPr>
-        </p:nvSpPr>
-        <p:spPr/>
-        <p:txBody>
-          <a:bodyPr>
-            <a:normAutofit fontScale="92500" lnSpcReduction="10000"/>
-          </a:bodyPr>
-          <a:lstStyle/>
-          <a:p>
-            <a:r>
-              <a:rPr kumimoji="1" lang="en" altLang="zh-TW" dirty="0"/>
-              <a:t>Does the function actually speed up?</a:t>
-            </a:r>
-          </a:p>
-        </p:txBody>
-      </p:sp>
-      <p:sp>
-        <p:nvSpPr>
-          <p:cNvPr id="3" name="投影片編號版面配置區 2">
-            <a:extLst>
-              <a:ext uri="{FF2B5EF4-FFF2-40B4-BE49-F238E27FC236}">
-                <a16:creationId xmlns:a16="http://schemas.microsoft.com/office/drawing/2014/main" id="{11DF167F-7879-104C-82AA-C6418908222F}"/>
-              </a:ext>
-            </a:extLst>
-          </p:cNvPr>
-          <p:cNvSpPr>
-            <a:spLocks noGrp="1"/>
-          </p:cNvSpPr>
-          <p:nvPr>
-            <p:ph type="sldNum" sz="quarter" idx="12"/>
-          </p:nvPr>
-        </p:nvSpPr>
-        <p:spPr/>
-        <p:txBody>
-          <a:bodyPr/>
-          <a:lstStyle/>
-          <a:p>
-            <a:fld id="{A5B8A6B3-FE61-B84D-AA6F-5C7FC31546FA}" type="slidenum">
-              <a:rPr kumimoji="1" lang="zh-TW" altLang="en-US" smtClean="0"/>
-              <a:t>19</a:t>
-            </a:fld>
-            <a:endParaRPr kumimoji="1" lang="zh-TW" altLang="en-US"/>
-          </a:p>
-        </p:txBody>
-      </p:sp>
-      <p:pic>
-        <p:nvPicPr>
-          <p:cNvPr id="5" name="圖片 4">
-            <a:extLst>
-              <a:ext uri="{FF2B5EF4-FFF2-40B4-BE49-F238E27FC236}">
-                <a16:creationId xmlns:a16="http://schemas.microsoft.com/office/drawing/2014/main" id="{A960FE2F-CCA6-B340-9A2F-192AA2734E9F}"/>
-              </a:ext>
-            </a:extLst>
-          </p:cNvPr>
-          <p:cNvPicPr>
-            <a:picLocks noChangeAspect="1"/>
-          </p:cNvPicPr>
-          <p:nvPr/>
-        </p:nvPicPr>
-        <p:blipFill>
-          <a:blip r:embed="rId2"/>
-          <a:stretch>
-            <a:fillRect/>
-          </a:stretch>
-        </p:blipFill>
-        <p:spPr>
-          <a:xfrm>
-            <a:off x="2315341" y="2103381"/>
-            <a:ext cx="7561317" cy="3869615"/>
-          </a:xfrm>
-          <a:prstGeom prst="rect">
-            <a:avLst/>
-          </a:prstGeom>
-        </p:spPr>
-      </p:pic>
-    </p:spTree>
-    <p:extLst>
-      <p:ext uri="{BB962C8B-B14F-4D97-AF65-F5344CB8AC3E}">
-        <p14:creationId xmlns:p14="http://schemas.microsoft.com/office/powerpoint/2010/main" val="3966400332"/>
       </p:ext>
     </p:extLst>
   </p:cSld>
@@ -7777,9 +7782,9 @@
           <p:grpSpPr>
             <a:xfrm>
               <a:off x="1780789" y="875593"/>
-              <a:ext cx="3841271" cy="1478839"/>
+              <a:ext cx="3841271" cy="1571172"/>
               <a:chOff x="910351" y="947386"/>
-              <a:chExt cx="3841271" cy="1478839"/>
+              <a:chExt cx="3841271" cy="1571172"/>
             </a:xfrm>
           </p:grpSpPr>
           <p:sp>
@@ -7844,8 +7849,8 @@
             </p:nvSpPr>
             <p:spPr>
               <a:xfrm>
-                <a:off x="1053147" y="1410562"/>
-                <a:ext cx="3647840" cy="1015663"/>
+                <a:off x="1053147" y="1318229"/>
+                <a:ext cx="3647840" cy="1200329"/>
               </a:xfrm>
               <a:prstGeom prst="rect">
                 <a:avLst/>
@@ -7910,6 +7915,22 @@
                   <a:buFont typeface="Wingdings" panose="05000000000000000000" pitchFamily="2" charset="2"/>
                   <a:buChar char="Ø"/>
                 </a:pPr>
+                <a:r>
+                  <a:rPr lang="en-US" altLang="ko-KR" sz="1200" dirty="0">
+                    <a:solidFill>
+                      <a:schemeClr val="bg1"/>
+                    </a:solidFill>
+                    <a:latin typeface="Courier" pitchFamily="2" charset="0"/>
+                    <a:cs typeface="Arial" pitchFamily="34" charset="0"/>
+                  </a:rPr>
+                  <a:t>Using split buffers</a:t>
+                </a:r>
+              </a:p>
+              <a:p>
+                <a:pPr marL="171459" indent="-171459">
+                  <a:buFont typeface="Wingdings" panose="05000000000000000000" pitchFamily="2" charset="2"/>
+                  <a:buChar char="Ø"/>
+                </a:pPr>
                 <a:endParaRPr lang="en-US" altLang="ko-KR" sz="1200" dirty="0">
                   <a:solidFill>
                     <a:schemeClr val="bg1"/>
@@ -7986,7 +8007,7 @@
           <p:cNvPr id="2" name="文字版面配置區 1">
             <a:extLst>
               <a:ext uri="{FF2B5EF4-FFF2-40B4-BE49-F238E27FC236}">
-                <a16:creationId xmlns:a16="http://schemas.microsoft.com/office/drawing/2014/main" id="{9118CBB0-9D00-2B4C-A6C8-998C11E33A42}"/>
+                <a16:creationId xmlns:a16="http://schemas.microsoft.com/office/drawing/2014/main" id="{EA63F504-B783-5F4F-94A8-146E8D6FA6DE}"/>
               </a:ext>
             </a:extLst>
           </p:cNvPr>
@@ -8000,13 +8021,13 @@
         <p:spPr/>
         <p:txBody>
           <a:bodyPr>
-            <a:normAutofit fontScale="85000" lnSpcReduction="10000"/>
+            <a:normAutofit fontScale="92500" lnSpcReduction="10000"/>
           </a:bodyPr>
           <a:lstStyle/>
           <a:p>
             <a:r>
               <a:rPr kumimoji="1" lang="en" altLang="zh-TW" dirty="0"/>
-              <a:t>Application time line and resource utilization</a:t>
+              <a:t>Does the function actually speed up?</a:t>
             </a:r>
           </a:p>
         </p:txBody>
@@ -8016,7 +8037,7 @@
           <p:cNvPr id="3" name="投影片編號版面配置區 2">
             <a:extLst>
               <a:ext uri="{FF2B5EF4-FFF2-40B4-BE49-F238E27FC236}">
-                <a16:creationId xmlns:a16="http://schemas.microsoft.com/office/drawing/2014/main" id="{21CA357D-9DAD-E34D-8390-08E61155D927}"/>
+                <a16:creationId xmlns:a16="http://schemas.microsoft.com/office/drawing/2014/main" id="{11DF167F-7879-104C-82AA-C6418908222F}"/>
               </a:ext>
             </a:extLst>
           </p:cNvPr>
@@ -8045,7 +8066,7 @@
           <p:cNvPr id="4" name="圖片 3">
             <a:extLst>
               <a:ext uri="{FF2B5EF4-FFF2-40B4-BE49-F238E27FC236}">
-                <a16:creationId xmlns:a16="http://schemas.microsoft.com/office/drawing/2014/main" id="{0A0C8710-318B-E84A-ACF6-E112672F4638}"/>
+                <a16:creationId xmlns:a16="http://schemas.microsoft.com/office/drawing/2014/main" id="{37278BC3-150B-754E-8D1B-B472022EB57C}"/>
               </a:ext>
             </a:extLst>
           </p:cNvPr>
@@ -8062,8 +8083,8 @@
         </p:blipFill>
         <p:spPr>
           <a:xfrm>
-            <a:off x="14127" y="1577662"/>
-            <a:ext cx="12192000" cy="5280338"/>
+            <a:off x="1185785" y="1672458"/>
+            <a:ext cx="9469260" cy="4846033"/>
           </a:xfrm>
           <a:prstGeom prst="rect">
             <a:avLst/>
@@ -8073,7 +8094,7 @@
     </p:spTree>
     <p:extLst>
       <p:ext uri="{BB962C8B-B14F-4D97-AF65-F5344CB8AC3E}">
-        <p14:creationId xmlns:p14="http://schemas.microsoft.com/office/powerpoint/2010/main" val="2522301948"/>
+        <p14:creationId xmlns:p14="http://schemas.microsoft.com/office/powerpoint/2010/main" val="3966400332"/>
       </p:ext>
     </p:extLst>
   </p:cSld>
@@ -8125,7 +8146,7 @@
           <a:p>
             <a:r>
               <a:rPr kumimoji="1" lang="en" altLang="zh-TW" dirty="0"/>
-              <a:t>Application time line and resource utilization</a:t>
+              <a:t>Application timeline and resource utilization</a:t>
             </a:r>
           </a:p>
         </p:txBody>
@@ -8224,7 +8245,7 @@
           <p:cNvPr id="2" name="文字版面配置區 1">
             <a:extLst>
               <a:ext uri="{FF2B5EF4-FFF2-40B4-BE49-F238E27FC236}">
-                <a16:creationId xmlns:a16="http://schemas.microsoft.com/office/drawing/2014/main" id="{717E4E00-F825-3B4F-9A6B-0B4127C488A7}"/>
+                <a16:creationId xmlns:a16="http://schemas.microsoft.com/office/drawing/2014/main" id="{1D1DA05F-9FD2-134B-A971-DD646189AFAF}"/>
               </a:ext>
             </a:extLst>
           </p:cNvPr>
@@ -8238,13 +8259,13 @@
         <p:spPr/>
         <p:txBody>
           <a:bodyPr>
-            <a:normAutofit fontScale="92500" lnSpcReduction="10000"/>
+            <a:normAutofit fontScale="85000" lnSpcReduction="10000"/>
           </a:bodyPr>
           <a:lstStyle/>
           <a:p>
             <a:r>
               <a:rPr kumimoji="1" lang="en-US" altLang="zh-TW" dirty="0"/>
-              <a:t>GitHub</a:t>
+              <a:t>Application timeline and resource utilization</a:t>
             </a:r>
             <a:endParaRPr kumimoji="1" lang="zh-TW" altLang="en-US" dirty="0"/>
           </a:p>
@@ -8255,7 +8276,7 @@
           <p:cNvPr id="3" name="投影片編號版面配置區 2">
             <a:extLst>
               <a:ext uri="{FF2B5EF4-FFF2-40B4-BE49-F238E27FC236}">
-                <a16:creationId xmlns:a16="http://schemas.microsoft.com/office/drawing/2014/main" id="{97C4D0F8-80CB-354C-B8E8-E9C974FC31ED}"/>
+                <a16:creationId xmlns:a16="http://schemas.microsoft.com/office/drawing/2014/main" id="{46646BA0-D7A1-A84E-A0C5-20ED36AD150B}"/>
               </a:ext>
             </a:extLst>
           </p:cNvPr>
@@ -8279,424 +8300,40 @@
           </a:p>
         </p:txBody>
       </p:sp>
-      <p:sp>
-        <p:nvSpPr>
-          <p:cNvPr id="4" name="矩形 3">
-            <a:extLst>
-              <a:ext uri="{FF2B5EF4-FFF2-40B4-BE49-F238E27FC236}">
-                <a16:creationId xmlns:a16="http://schemas.microsoft.com/office/drawing/2014/main" id="{9021C062-0A37-7047-8CF0-73C1983EAD48}"/>
-              </a:ext>
-            </a:extLst>
-          </p:cNvPr>
-          <p:cNvSpPr/>
+      <p:pic>
+        <p:nvPicPr>
+          <p:cNvPr id="4" name="圖片 3">
+            <a:extLst>
+              <a:ext uri="{FF2B5EF4-FFF2-40B4-BE49-F238E27FC236}">
+                <a16:creationId xmlns:a16="http://schemas.microsoft.com/office/drawing/2014/main" id="{66D59C7D-4A18-2A46-A87C-BC9F5CBAB30F}"/>
+              </a:ext>
+            </a:extLst>
+          </p:cNvPr>
+          <p:cNvPicPr>
+            <a:picLocks noChangeAspect="1"/>
+          </p:cNvPicPr>
           <p:nvPr/>
-        </p:nvSpPr>
+        </p:nvPicPr>
+        <p:blipFill>
+          <a:blip r:embed="rId2"/>
+          <a:stretch>
+            <a:fillRect/>
+          </a:stretch>
+        </p:blipFill>
         <p:spPr>
           <a:xfrm>
-            <a:off x="546904" y="1747777"/>
-            <a:ext cx="8063696" cy="2862322"/>
+            <a:off x="1092200" y="2308772"/>
+            <a:ext cx="10007600" cy="3606800"/>
           </a:xfrm>
           <a:prstGeom prst="rect">
             <a:avLst/>
           </a:prstGeom>
         </p:spPr>
-        <p:txBody>
-          <a:bodyPr wrap="square">
-            <a:spAutoFit/>
-          </a:bodyPr>
-          <a:lstStyle/>
-          <a:p>
-            <a:r>
-              <a:rPr lang="en" altLang="zh-TW" sz="900" dirty="0">
-                <a:solidFill>
-                  <a:srgbClr val="777777"/>
-                </a:solidFill>
-                <a:latin typeface="Menlo" panose="020B0609030804020204" pitchFamily="49" charset="0"/>
-              </a:rPr>
-              <a:t>#</a:t>
-            </a:r>
-            <a:r>
-              <a:rPr lang="en" altLang="zh-TW" sz="900" dirty="0">
-                <a:solidFill>
-                  <a:srgbClr val="AA3731"/>
-                </a:solidFill>
-                <a:latin typeface="Menlo" panose="020B0609030804020204" pitchFamily="49" charset="0"/>
-              </a:rPr>
-              <a:t> </a:t>
-            </a:r>
-            <a:r>
-              <a:rPr lang="en" altLang="zh-TW" sz="900" b="1" dirty="0">
-                <a:solidFill>
-                  <a:srgbClr val="AA3731"/>
-                </a:solidFill>
-                <a:latin typeface="Menlo" panose="020B0609030804020204" pitchFamily="49" charset="0"/>
-              </a:rPr>
-              <a:t>The file hierarchy is:</a:t>
-            </a:r>
-          </a:p>
-          <a:p>
-            <a:r>
-              <a:rPr lang="en" altLang="zh-TW" sz="900" dirty="0">
-                <a:solidFill>
-                  <a:srgbClr val="333333"/>
-                </a:solidFill>
-                <a:latin typeface="Menlo" panose="020B0609030804020204" pitchFamily="49" charset="0"/>
-              </a:rPr>
-              <a:t>├── 02-bloom</a:t>
-            </a:r>
-          </a:p>
-          <a:p>
-            <a:r>
-              <a:rPr lang="en" altLang="zh-TW" sz="900" dirty="0">
-                <a:solidFill>
-                  <a:srgbClr val="333333"/>
-                </a:solidFill>
-                <a:latin typeface="Menlo" panose="020B0609030804020204" pitchFamily="49" charset="0"/>
-              </a:rPr>
-              <a:t>│   ├── 1_overview.md</a:t>
-            </a:r>
-          </a:p>
-          <a:p>
-            <a:r>
-              <a:rPr lang="en" altLang="zh-TW" sz="900" dirty="0">
-                <a:solidFill>
-                  <a:srgbClr val="333333"/>
-                </a:solidFill>
-                <a:latin typeface="Menlo" panose="020B0609030804020204" pitchFamily="49" charset="0"/>
-              </a:rPr>
-              <a:t>│   ├── 2_experience-acceleration.md</a:t>
-            </a:r>
-          </a:p>
-          <a:p>
-            <a:r>
-              <a:rPr lang="en" altLang="zh-TW" sz="900" dirty="0">
-                <a:solidFill>
-                  <a:srgbClr val="333333"/>
-                </a:solidFill>
-                <a:latin typeface="Menlo" panose="020B0609030804020204" pitchFamily="49" charset="0"/>
-              </a:rPr>
-              <a:t>│   ├── 3_architect-the-application.md</a:t>
-            </a:r>
-          </a:p>
-          <a:p>
-            <a:r>
-              <a:rPr lang="en" altLang="zh-TW" sz="900" dirty="0">
-                <a:solidFill>
-                  <a:srgbClr val="333333"/>
-                </a:solidFill>
-                <a:latin typeface="Menlo" panose="020B0609030804020204" pitchFamily="49" charset="0"/>
-              </a:rPr>
-              <a:t>│   ├── 4_implement-kernel.md</a:t>
-            </a:r>
-          </a:p>
-          <a:p>
-            <a:r>
-              <a:rPr lang="en" altLang="zh-TW" sz="900" dirty="0">
-                <a:solidFill>
-                  <a:srgbClr val="333333"/>
-                </a:solidFill>
-                <a:latin typeface="Menlo" panose="020B0609030804020204" pitchFamily="49" charset="0"/>
-              </a:rPr>
-              <a:t>│   ├── 5_data-movement.md</a:t>
-            </a:r>
-          </a:p>
-          <a:p>
-            <a:r>
-              <a:rPr lang="en" altLang="zh-TW" sz="900" dirty="0">
-                <a:solidFill>
-                  <a:srgbClr val="333333"/>
-                </a:solidFill>
-                <a:latin typeface="Menlo" panose="020B0609030804020204" pitchFamily="49" charset="0"/>
-              </a:rPr>
-              <a:t>│   ├── 6_using-multiple-ddr.md</a:t>
-            </a:r>
-          </a:p>
-          <a:p>
-            <a:r>
-              <a:rPr lang="en" altLang="zh-TW" sz="900" dirty="0">
-                <a:solidFill>
-                  <a:srgbClr val="333333"/>
-                </a:solidFill>
-                <a:latin typeface="Menlo" panose="020B0609030804020204" pitchFamily="49" charset="0"/>
-              </a:rPr>
-              <a:t>│   ├── </a:t>
-            </a:r>
-            <a:r>
-              <a:rPr lang="en" altLang="zh-TW" sz="900" dirty="0" err="1">
-                <a:solidFill>
-                  <a:srgbClr val="333333"/>
-                </a:solidFill>
-                <a:latin typeface="Menlo" panose="020B0609030804020204" pitchFamily="49" charset="0"/>
-              </a:rPr>
-              <a:t>README.md</a:t>
-            </a:r>
-            <a:endParaRPr lang="en" altLang="zh-TW" sz="900" dirty="0">
-              <a:solidFill>
-                <a:srgbClr val="333333"/>
-              </a:solidFill>
-              <a:latin typeface="Menlo" panose="020B0609030804020204" pitchFamily="49" charset="0"/>
-            </a:endParaRPr>
-          </a:p>
-          <a:p>
-            <a:r>
-              <a:rPr lang="en" altLang="zh-TW" sz="900" dirty="0">
-                <a:solidFill>
-                  <a:srgbClr val="333333"/>
-                </a:solidFill>
-                <a:latin typeface="Menlo" panose="020B0609030804020204" pitchFamily="49" charset="0"/>
-              </a:rPr>
-              <a:t>│   ├── build</a:t>
-            </a:r>
-          </a:p>
-          <a:p>
-            <a:r>
-              <a:rPr lang="en" altLang="zh-TW" sz="900" dirty="0">
-                <a:solidFill>
-                  <a:srgbClr val="333333"/>
-                </a:solidFill>
-                <a:latin typeface="Menlo" panose="020B0609030804020204" pitchFamily="49" charset="0"/>
-              </a:rPr>
-              <a:t>│   ├── </a:t>
-            </a:r>
-            <a:r>
-              <a:rPr lang="en" altLang="zh-TW" sz="900" dirty="0" err="1">
-                <a:solidFill>
-                  <a:srgbClr val="333333"/>
-                </a:solidFill>
-                <a:latin typeface="Menlo" panose="020B0609030804020204" pitchFamily="49" charset="0"/>
-              </a:rPr>
-              <a:t>cpu_src</a:t>
-            </a:r>
-            <a:endParaRPr lang="en" altLang="zh-TW" sz="900" dirty="0">
-              <a:solidFill>
-                <a:srgbClr val="333333"/>
-              </a:solidFill>
-              <a:latin typeface="Menlo" panose="020B0609030804020204" pitchFamily="49" charset="0"/>
-            </a:endParaRPr>
-          </a:p>
-          <a:p>
-            <a:r>
-              <a:rPr lang="en" altLang="zh-TW" sz="900" dirty="0">
-                <a:solidFill>
-                  <a:srgbClr val="333333"/>
-                </a:solidFill>
-                <a:latin typeface="Menlo" panose="020B0609030804020204" pitchFamily="49" charset="0"/>
-              </a:rPr>
-              <a:t>│   ├── images</a:t>
-            </a:r>
-          </a:p>
-          <a:p>
-            <a:r>
-              <a:rPr lang="en" altLang="zh-TW" sz="900" dirty="0">
-                <a:solidFill>
-                  <a:srgbClr val="333333"/>
-                </a:solidFill>
-                <a:latin typeface="Menlo" panose="020B0609030804020204" pitchFamily="49" charset="0"/>
-              </a:rPr>
-              <a:t>│   ├── </a:t>
-            </a:r>
-            <a:r>
-              <a:rPr lang="en" altLang="zh-TW" sz="900" dirty="0" err="1">
-                <a:solidFill>
-                  <a:srgbClr val="333333"/>
-                </a:solidFill>
-                <a:latin typeface="Menlo" panose="020B0609030804020204" pitchFamily="49" charset="0"/>
-              </a:rPr>
-              <a:t>makefile</a:t>
-            </a:r>
-            <a:endParaRPr lang="en" altLang="zh-TW" sz="900" dirty="0">
-              <a:solidFill>
-                <a:srgbClr val="333333"/>
-              </a:solidFill>
-              <a:latin typeface="Menlo" panose="020B0609030804020204" pitchFamily="49" charset="0"/>
-            </a:endParaRPr>
-          </a:p>
-          <a:p>
-            <a:r>
-              <a:rPr lang="en" altLang="zh-TW" sz="900" dirty="0">
-                <a:solidFill>
-                  <a:srgbClr val="333333"/>
-                </a:solidFill>
-                <a:latin typeface="Menlo" panose="020B0609030804020204" pitchFamily="49" charset="0"/>
-              </a:rPr>
-              <a:t>│   └── </a:t>
-            </a:r>
-            <a:r>
-              <a:rPr lang="en" altLang="zh-TW" sz="900" dirty="0" err="1">
-                <a:solidFill>
-                  <a:srgbClr val="333333"/>
-                </a:solidFill>
-                <a:latin typeface="Menlo" panose="020B0609030804020204" pitchFamily="49" charset="0"/>
-              </a:rPr>
-              <a:t>reference_files</a:t>
-            </a:r>
-            <a:endParaRPr lang="en" altLang="zh-TW" sz="900" dirty="0">
-              <a:solidFill>
-                <a:srgbClr val="333333"/>
-              </a:solidFill>
-              <a:latin typeface="Menlo" panose="020B0609030804020204" pitchFamily="49" charset="0"/>
-            </a:endParaRPr>
-          </a:p>
-          <a:p>
-            <a:r>
-              <a:rPr lang="en" altLang="zh-TW" sz="900" dirty="0">
-                <a:solidFill>
-                  <a:srgbClr val="333333"/>
-                </a:solidFill>
-                <a:latin typeface="Menlo" panose="020B0609030804020204" pitchFamily="49" charset="0"/>
-              </a:rPr>
-              <a:t>└── </a:t>
-            </a:r>
-            <a:r>
-              <a:rPr lang="en" altLang="zh-TW" sz="900" dirty="0" err="1">
-                <a:solidFill>
-                  <a:srgbClr val="333333"/>
-                </a:solidFill>
-                <a:latin typeface="Menlo" panose="020B0609030804020204" pitchFamily="49" charset="0"/>
-              </a:rPr>
-              <a:t>report_and_slides</a:t>
-            </a:r>
-            <a:endParaRPr lang="en" altLang="zh-TW" sz="900" dirty="0">
-              <a:solidFill>
-                <a:srgbClr val="333333"/>
-              </a:solidFill>
-              <a:latin typeface="Menlo" panose="020B0609030804020204" pitchFamily="49" charset="0"/>
-            </a:endParaRPr>
-          </a:p>
-          <a:p>
-            <a:r>
-              <a:rPr lang="en" altLang="zh-TW" sz="900" dirty="0">
-                <a:solidFill>
-                  <a:srgbClr val="333333"/>
-                </a:solidFill>
-                <a:latin typeface="Menlo" panose="020B0609030804020204" pitchFamily="49" charset="0"/>
-              </a:rPr>
-              <a:t>    ├── Lab_3_R09921132_</a:t>
-            </a:r>
-            <a:r>
-              <a:rPr lang="zh-TW" altLang="en-US" sz="900" dirty="0">
-                <a:solidFill>
-                  <a:srgbClr val="333333"/>
-                </a:solidFill>
-                <a:latin typeface="Menlo" panose="020B0609030804020204" pitchFamily="49" charset="0"/>
-              </a:rPr>
-              <a:t>劉彥甫</a:t>
-            </a:r>
-            <a:r>
-              <a:rPr lang="en-US" altLang="zh-TW" sz="900" dirty="0">
-                <a:solidFill>
-                  <a:srgbClr val="333333"/>
-                </a:solidFill>
-                <a:latin typeface="Menlo" panose="020B0609030804020204" pitchFamily="49" charset="0"/>
-              </a:rPr>
-              <a:t>.</a:t>
-            </a:r>
-            <a:r>
-              <a:rPr lang="en" altLang="zh-TW" sz="900" dirty="0">
-                <a:solidFill>
-                  <a:srgbClr val="333333"/>
-                </a:solidFill>
-                <a:latin typeface="Menlo" panose="020B0609030804020204" pitchFamily="49" charset="0"/>
-              </a:rPr>
-              <a:t>pptx</a:t>
-            </a:r>
-          </a:p>
-          <a:p>
-            <a:r>
-              <a:rPr lang="en" altLang="zh-TW" sz="900" dirty="0">
-                <a:solidFill>
-                  <a:srgbClr val="333333"/>
-                </a:solidFill>
-                <a:latin typeface="Menlo" panose="020B0609030804020204" pitchFamily="49" charset="0"/>
-              </a:rPr>
-              <a:t>    └── R09921132_report.pdf</a:t>
-            </a:r>
-          </a:p>
-          <a:p>
-            <a:r>
-              <a:rPr lang="en" altLang="zh-TW" sz="900" dirty="0">
-                <a:solidFill>
-                  <a:srgbClr val="333333"/>
-                </a:solidFill>
-                <a:latin typeface="Menlo" panose="020B0609030804020204" pitchFamily="49" charset="0"/>
-              </a:rPr>
-              <a:t>7 directories, 9 files</a:t>
-            </a:r>
-          </a:p>
-          <a:p>
-            <a:br>
-              <a:rPr lang="en" altLang="zh-TW" sz="900" dirty="0">
-                <a:solidFill>
-                  <a:srgbClr val="333333"/>
-                </a:solidFill>
-                <a:latin typeface="Menlo" panose="020B0609030804020204" pitchFamily="49" charset="0"/>
-              </a:rPr>
-            </a:br>
-            <a:endParaRPr lang="en" altLang="zh-TW" sz="900" b="0" dirty="0">
-              <a:solidFill>
-                <a:srgbClr val="333333"/>
-              </a:solidFill>
-              <a:effectLst/>
-              <a:latin typeface="Menlo" panose="020B0609030804020204" pitchFamily="49" charset="0"/>
-            </a:endParaRPr>
-          </a:p>
-        </p:txBody>
-      </p:sp>
-      <p:sp>
-        <p:nvSpPr>
-          <p:cNvPr id="5" name="矩形 4">
-            <a:extLst>
-              <a:ext uri="{FF2B5EF4-FFF2-40B4-BE49-F238E27FC236}">
-                <a16:creationId xmlns:a16="http://schemas.microsoft.com/office/drawing/2014/main" id="{BB659E75-AAA3-7441-846E-96A312CA0358}"/>
-              </a:ext>
-            </a:extLst>
-          </p:cNvPr>
-          <p:cNvSpPr/>
-          <p:nvPr/>
-        </p:nvSpPr>
-        <p:spPr>
-          <a:xfrm>
-            <a:off x="546904" y="6195325"/>
-            <a:ext cx="8701268" cy="369332"/>
-          </a:xfrm>
-          <a:prstGeom prst="rect">
-            <a:avLst/>
-          </a:prstGeom>
-        </p:spPr>
-        <p:txBody>
-          <a:bodyPr wrap="square">
-            <a:spAutoFit/>
-          </a:bodyPr>
-          <a:lstStyle/>
-          <a:p>
-            <a:r>
-              <a:rPr lang="en" altLang="zh-TW" dirty="0"/>
-              <a:t>https://</a:t>
-            </a:r>
-            <a:r>
-              <a:rPr lang="en" altLang="zh-TW" dirty="0" err="1"/>
-              <a:t>github.com</a:t>
-            </a:r>
-            <a:r>
-              <a:rPr lang="en" altLang="zh-TW" dirty="0"/>
-              <a:t>/</a:t>
-            </a:r>
-            <a:r>
-              <a:rPr lang="en" altLang="zh-TW" dirty="0" err="1"/>
-              <a:t>Waxpple</a:t>
-            </a:r>
-            <a:r>
-              <a:rPr lang="en" altLang="zh-TW" dirty="0"/>
-              <a:t>/HLS_2021_FALL_LABB</a:t>
-            </a:r>
-            <a:endParaRPr lang="zh-TW" altLang="en-US" dirty="0"/>
-          </a:p>
-        </p:txBody>
-      </p:sp>
+      </p:pic>
     </p:spTree>
     <p:extLst>
       <p:ext uri="{BB962C8B-B14F-4D97-AF65-F5344CB8AC3E}">
-        <p14:creationId xmlns:p14="http://schemas.microsoft.com/office/powerpoint/2010/main" val="3881036617"/>
+        <p14:creationId xmlns:p14="http://schemas.microsoft.com/office/powerpoint/2010/main" val="1296263637"/>
       </p:ext>
     </p:extLst>
   </p:cSld>
@@ -8725,6 +8362,871 @@
       </p:grpSpPr>
       <p:sp>
         <p:nvSpPr>
+          <p:cNvPr id="2" name="文字版面配置區 1">
+            <a:extLst>
+              <a:ext uri="{FF2B5EF4-FFF2-40B4-BE49-F238E27FC236}">
+                <a16:creationId xmlns:a16="http://schemas.microsoft.com/office/drawing/2014/main" id="{AD3738B5-9E9C-9549-9FE7-BC827A14F1CF}"/>
+              </a:ext>
+            </a:extLst>
+          </p:cNvPr>
+          <p:cNvSpPr>
+            <a:spLocks noGrp="1"/>
+          </p:cNvSpPr>
+          <p:nvPr>
+            <p:ph type="body" sz="quarter" idx="10"/>
+          </p:nvPr>
+        </p:nvSpPr>
+        <p:spPr/>
+        <p:txBody>
+          <a:bodyPr>
+            <a:normAutofit fontScale="85000" lnSpcReduction="10000"/>
+          </a:bodyPr>
+          <a:lstStyle/>
+          <a:p>
+            <a:r>
+              <a:rPr kumimoji="1" lang="en" altLang="zh-TW" dirty="0"/>
+              <a:t>Application time line and resource utilization</a:t>
+            </a:r>
+          </a:p>
+        </p:txBody>
+      </p:sp>
+      <p:sp>
+        <p:nvSpPr>
+          <p:cNvPr id="3" name="投影片編號版面配置區 2">
+            <a:extLst>
+              <a:ext uri="{FF2B5EF4-FFF2-40B4-BE49-F238E27FC236}">
+                <a16:creationId xmlns:a16="http://schemas.microsoft.com/office/drawing/2014/main" id="{9EBFD68D-DB57-E14C-80BE-5927F73DF1B7}"/>
+              </a:ext>
+            </a:extLst>
+          </p:cNvPr>
+          <p:cNvSpPr>
+            <a:spLocks noGrp="1"/>
+          </p:cNvSpPr>
+          <p:nvPr>
+            <p:ph type="sldNum" sz="quarter" idx="12"/>
+          </p:nvPr>
+        </p:nvSpPr>
+        <p:spPr/>
+        <p:txBody>
+          <a:bodyPr/>
+          <a:lstStyle/>
+          <a:p>
+            <a:fld id="{A5B8A6B3-FE61-B84D-AA6F-5C7FC31546FA}" type="slidenum">
+              <a:rPr kumimoji="1" lang="zh-TW" altLang="en-US" smtClean="0"/>
+              <a:t>23</a:t>
+            </a:fld>
+            <a:endParaRPr kumimoji="1" lang="zh-TW" altLang="en-US"/>
+          </a:p>
+        </p:txBody>
+      </p:sp>
+      <p:pic>
+        <p:nvPicPr>
+          <p:cNvPr id="11" name="圖片 10">
+            <a:extLst>
+              <a:ext uri="{FF2B5EF4-FFF2-40B4-BE49-F238E27FC236}">
+                <a16:creationId xmlns:a16="http://schemas.microsoft.com/office/drawing/2014/main" id="{1C81DABD-014A-3A49-BF2D-BF1D5C3D6DA9}"/>
+              </a:ext>
+            </a:extLst>
+          </p:cNvPr>
+          <p:cNvPicPr>
+            <a:picLocks noChangeAspect="1"/>
+          </p:cNvPicPr>
+          <p:nvPr/>
+        </p:nvPicPr>
+        <p:blipFill>
+          <a:blip r:embed="rId2">
+            <a:extLst>
+              <a:ext uri="{28A0092B-C50C-407E-A947-70E740481C1C}">
+                <a14:useLocalDpi xmlns:a14="http://schemas.microsoft.com/office/drawing/2010/main" val="0"/>
+              </a:ext>
+            </a:extLst>
+          </a:blip>
+          <a:stretch>
+            <a:fillRect/>
+          </a:stretch>
+        </p:blipFill>
+        <p:spPr>
+          <a:xfrm>
+            <a:off x="323529" y="2891972"/>
+            <a:ext cx="11573197" cy="2867695"/>
+          </a:xfrm>
+          <a:prstGeom prst="rect">
+            <a:avLst/>
+          </a:prstGeom>
+        </p:spPr>
+      </p:pic>
+    </p:spTree>
+    <p:extLst>
+      <p:ext uri="{BB962C8B-B14F-4D97-AF65-F5344CB8AC3E}">
+        <p14:creationId xmlns:p14="http://schemas.microsoft.com/office/powerpoint/2010/main" val="571731571"/>
+      </p:ext>
+    </p:extLst>
+  </p:cSld>
+  <p:clrMapOvr>
+    <a:masterClrMapping/>
+  </p:clrMapOvr>
+</p:sld>
+</file>
+
+<file path=ppt/slides/slide24.xml><?xml version="1.0" encoding="utf-8"?>
+<p:sld xmlns:a="http://schemas.openxmlformats.org/drawingml/2006/main" xmlns:r="http://schemas.openxmlformats.org/officeDocument/2006/relationships" xmlns:p="http://schemas.openxmlformats.org/presentationml/2006/main">
+  <p:cSld>
+    <p:spTree>
+      <p:nvGrpSpPr>
+        <p:cNvPr id="1" name=""/>
+        <p:cNvGrpSpPr/>
+        <p:nvPr/>
+      </p:nvGrpSpPr>
+      <p:grpSpPr>
+        <a:xfrm>
+          <a:off x="0" y="0"/>
+          <a:ext cx="0" cy="0"/>
+          <a:chOff x="0" y="0"/>
+          <a:chExt cx="0" cy="0"/>
+        </a:xfrm>
+      </p:grpSpPr>
+      <p:sp>
+        <p:nvSpPr>
+          <p:cNvPr id="2" name="文字版面配置區 1">
+            <a:extLst>
+              <a:ext uri="{FF2B5EF4-FFF2-40B4-BE49-F238E27FC236}">
+                <a16:creationId xmlns:a16="http://schemas.microsoft.com/office/drawing/2014/main" id="{247142E1-6353-2B45-9181-5F5CA6787D10}"/>
+              </a:ext>
+            </a:extLst>
+          </p:cNvPr>
+          <p:cNvSpPr>
+            <a:spLocks noGrp="1"/>
+          </p:cNvSpPr>
+          <p:nvPr>
+            <p:ph type="body" sz="quarter" idx="10"/>
+          </p:nvPr>
+        </p:nvSpPr>
+        <p:spPr/>
+        <p:txBody>
+          <a:bodyPr>
+            <a:normAutofit fontScale="92500" lnSpcReduction="10000"/>
+          </a:bodyPr>
+          <a:lstStyle/>
+          <a:p>
+            <a:r>
+              <a:rPr kumimoji="1" lang="en-US" altLang="zh-TW" dirty="0"/>
+              <a:t>Using split buffers</a:t>
+            </a:r>
+            <a:endParaRPr kumimoji="1" lang="zh-TW" altLang="en-US" dirty="0"/>
+          </a:p>
+        </p:txBody>
+      </p:sp>
+      <p:sp>
+        <p:nvSpPr>
+          <p:cNvPr id="3" name="投影片編號版面配置區 2">
+            <a:extLst>
+              <a:ext uri="{FF2B5EF4-FFF2-40B4-BE49-F238E27FC236}">
+                <a16:creationId xmlns:a16="http://schemas.microsoft.com/office/drawing/2014/main" id="{102C9273-005D-DC4E-9192-BB307B928E0F}"/>
+              </a:ext>
+            </a:extLst>
+          </p:cNvPr>
+          <p:cNvSpPr>
+            <a:spLocks noGrp="1"/>
+          </p:cNvSpPr>
+          <p:nvPr>
+            <p:ph type="sldNum" sz="quarter" idx="12"/>
+          </p:nvPr>
+        </p:nvSpPr>
+        <p:spPr/>
+        <p:txBody>
+          <a:bodyPr/>
+          <a:lstStyle/>
+          <a:p>
+            <a:fld id="{A5B8A6B3-FE61-B84D-AA6F-5C7FC31546FA}" type="slidenum">
+              <a:rPr kumimoji="1" lang="zh-TW" altLang="en-US" smtClean="0"/>
+              <a:t>24</a:t>
+            </a:fld>
+            <a:endParaRPr kumimoji="1" lang="zh-TW" altLang="en-US"/>
+          </a:p>
+        </p:txBody>
+      </p:sp>
+      <p:pic>
+        <p:nvPicPr>
+          <p:cNvPr id="4" name="圖片 3">
+            <a:extLst>
+              <a:ext uri="{FF2B5EF4-FFF2-40B4-BE49-F238E27FC236}">
+                <a16:creationId xmlns:a16="http://schemas.microsoft.com/office/drawing/2014/main" id="{3F4E2A97-DD13-EF42-A55D-CB5581E21079}"/>
+              </a:ext>
+            </a:extLst>
+          </p:cNvPr>
+          <p:cNvPicPr>
+            <a:picLocks noChangeAspect="1"/>
+          </p:cNvPicPr>
+          <p:nvPr/>
+        </p:nvPicPr>
+        <p:blipFill>
+          <a:blip r:embed="rId2"/>
+          <a:stretch>
+            <a:fillRect/>
+          </a:stretch>
+        </p:blipFill>
+        <p:spPr>
+          <a:xfrm>
+            <a:off x="1488361" y="1716102"/>
+            <a:ext cx="9215277" cy="4822810"/>
+          </a:xfrm>
+          <a:prstGeom prst="rect">
+            <a:avLst/>
+          </a:prstGeom>
+        </p:spPr>
+      </p:pic>
+    </p:spTree>
+    <p:extLst>
+      <p:ext uri="{BB962C8B-B14F-4D97-AF65-F5344CB8AC3E}">
+        <p14:creationId xmlns:p14="http://schemas.microsoft.com/office/powerpoint/2010/main" val="4202797466"/>
+      </p:ext>
+    </p:extLst>
+  </p:cSld>
+  <p:clrMapOvr>
+    <a:masterClrMapping/>
+  </p:clrMapOvr>
+</p:sld>
+</file>
+
+<file path=ppt/slides/slide25.xml><?xml version="1.0" encoding="utf-8"?>
+<p:sld xmlns:a="http://schemas.openxmlformats.org/drawingml/2006/main" xmlns:r="http://schemas.openxmlformats.org/officeDocument/2006/relationships" xmlns:p="http://schemas.openxmlformats.org/presentationml/2006/main">
+  <p:cSld>
+    <p:spTree>
+      <p:nvGrpSpPr>
+        <p:cNvPr id="1" name=""/>
+        <p:cNvGrpSpPr/>
+        <p:nvPr/>
+      </p:nvGrpSpPr>
+      <p:grpSpPr>
+        <a:xfrm>
+          <a:off x="0" y="0"/>
+          <a:ext cx="0" cy="0"/>
+          <a:chOff x="0" y="0"/>
+          <a:chExt cx="0" cy="0"/>
+        </a:xfrm>
+      </p:grpSpPr>
+      <p:sp>
+        <p:nvSpPr>
+          <p:cNvPr id="2" name="文字版面配置區 1">
+            <a:extLst>
+              <a:ext uri="{FF2B5EF4-FFF2-40B4-BE49-F238E27FC236}">
+                <a16:creationId xmlns:a16="http://schemas.microsoft.com/office/drawing/2014/main" id="{F5CF7610-366F-BB47-9A55-DA43CA14E648}"/>
+              </a:ext>
+            </a:extLst>
+          </p:cNvPr>
+          <p:cNvSpPr>
+            <a:spLocks noGrp="1"/>
+          </p:cNvSpPr>
+          <p:nvPr>
+            <p:ph type="body" sz="quarter" idx="10"/>
+          </p:nvPr>
+        </p:nvSpPr>
+        <p:spPr/>
+        <p:txBody>
+          <a:bodyPr>
+            <a:normAutofit fontScale="92500" lnSpcReduction="10000"/>
+          </a:bodyPr>
+          <a:lstStyle/>
+          <a:p>
+            <a:endParaRPr kumimoji="1" lang="zh-TW" altLang="en-US"/>
+          </a:p>
+        </p:txBody>
+      </p:sp>
+      <p:sp>
+        <p:nvSpPr>
+          <p:cNvPr id="3" name="投影片編號版面配置區 2">
+            <a:extLst>
+              <a:ext uri="{FF2B5EF4-FFF2-40B4-BE49-F238E27FC236}">
+                <a16:creationId xmlns:a16="http://schemas.microsoft.com/office/drawing/2014/main" id="{8C74AB06-659E-2D49-B40A-EEFFE11FA64B}"/>
+              </a:ext>
+            </a:extLst>
+          </p:cNvPr>
+          <p:cNvSpPr>
+            <a:spLocks noGrp="1"/>
+          </p:cNvSpPr>
+          <p:nvPr>
+            <p:ph type="sldNum" sz="quarter" idx="12"/>
+          </p:nvPr>
+        </p:nvSpPr>
+        <p:spPr/>
+        <p:txBody>
+          <a:bodyPr/>
+          <a:lstStyle/>
+          <a:p>
+            <a:fld id="{A5B8A6B3-FE61-B84D-AA6F-5C7FC31546FA}" type="slidenum">
+              <a:rPr kumimoji="1" lang="zh-TW" altLang="en-US" smtClean="0"/>
+              <a:t>25</a:t>
+            </a:fld>
+            <a:endParaRPr kumimoji="1" lang="zh-TW" altLang="en-US"/>
+          </a:p>
+        </p:txBody>
+      </p:sp>
+      <p:pic>
+        <p:nvPicPr>
+          <p:cNvPr id="5" name="圖片 4">
+            <a:extLst>
+              <a:ext uri="{FF2B5EF4-FFF2-40B4-BE49-F238E27FC236}">
+                <a16:creationId xmlns:a16="http://schemas.microsoft.com/office/drawing/2014/main" id="{80984688-2B41-F04D-BC5B-FE0F0DD47318}"/>
+              </a:ext>
+            </a:extLst>
+          </p:cNvPr>
+          <p:cNvPicPr>
+            <a:picLocks noChangeAspect="1"/>
+          </p:cNvPicPr>
+          <p:nvPr/>
+        </p:nvPicPr>
+        <p:blipFill>
+          <a:blip r:embed="rId2"/>
+          <a:stretch>
+            <a:fillRect/>
+          </a:stretch>
+        </p:blipFill>
+        <p:spPr>
+          <a:xfrm>
+            <a:off x="1051871" y="1508993"/>
+            <a:ext cx="9788673" cy="5009498"/>
+          </a:xfrm>
+          <a:prstGeom prst="rect">
+            <a:avLst/>
+          </a:prstGeom>
+        </p:spPr>
+      </p:pic>
+    </p:spTree>
+    <p:extLst>
+      <p:ext uri="{BB962C8B-B14F-4D97-AF65-F5344CB8AC3E}">
+        <p14:creationId xmlns:p14="http://schemas.microsoft.com/office/powerpoint/2010/main" val="842117868"/>
+      </p:ext>
+    </p:extLst>
+  </p:cSld>
+  <p:clrMapOvr>
+    <a:masterClrMapping/>
+  </p:clrMapOvr>
+</p:sld>
+</file>
+
+<file path=ppt/slides/slide26.xml><?xml version="1.0" encoding="utf-8"?>
+<p:sld xmlns:a="http://schemas.openxmlformats.org/drawingml/2006/main" xmlns:r="http://schemas.openxmlformats.org/officeDocument/2006/relationships" xmlns:p="http://schemas.openxmlformats.org/presentationml/2006/main">
+  <p:cSld>
+    <p:spTree>
+      <p:nvGrpSpPr>
+        <p:cNvPr id="1" name=""/>
+        <p:cNvGrpSpPr/>
+        <p:nvPr/>
+      </p:nvGrpSpPr>
+      <p:grpSpPr>
+        <a:xfrm>
+          <a:off x="0" y="0"/>
+          <a:ext cx="0" cy="0"/>
+          <a:chOff x="0" y="0"/>
+          <a:chExt cx="0" cy="0"/>
+        </a:xfrm>
+      </p:grpSpPr>
+      <p:sp>
+        <p:nvSpPr>
+          <p:cNvPr id="2" name="文字版面配置區 1">
+            <a:extLst>
+              <a:ext uri="{FF2B5EF4-FFF2-40B4-BE49-F238E27FC236}">
+                <a16:creationId xmlns:a16="http://schemas.microsoft.com/office/drawing/2014/main" id="{717E4E00-F825-3B4F-9A6B-0B4127C488A7}"/>
+              </a:ext>
+            </a:extLst>
+          </p:cNvPr>
+          <p:cNvSpPr>
+            <a:spLocks noGrp="1"/>
+          </p:cNvSpPr>
+          <p:nvPr>
+            <p:ph type="body" sz="quarter" idx="10"/>
+          </p:nvPr>
+        </p:nvSpPr>
+        <p:spPr/>
+        <p:txBody>
+          <a:bodyPr>
+            <a:normAutofit fontScale="92500" lnSpcReduction="10000"/>
+          </a:bodyPr>
+          <a:lstStyle/>
+          <a:p>
+            <a:r>
+              <a:rPr kumimoji="1" lang="en-US" altLang="zh-TW" dirty="0"/>
+              <a:t>GitHub</a:t>
+            </a:r>
+            <a:endParaRPr kumimoji="1" lang="zh-TW" altLang="en-US" dirty="0"/>
+          </a:p>
+        </p:txBody>
+      </p:sp>
+      <p:sp>
+        <p:nvSpPr>
+          <p:cNvPr id="3" name="投影片編號版面配置區 2">
+            <a:extLst>
+              <a:ext uri="{FF2B5EF4-FFF2-40B4-BE49-F238E27FC236}">
+                <a16:creationId xmlns:a16="http://schemas.microsoft.com/office/drawing/2014/main" id="{97C4D0F8-80CB-354C-B8E8-E9C974FC31ED}"/>
+              </a:ext>
+            </a:extLst>
+          </p:cNvPr>
+          <p:cNvSpPr>
+            <a:spLocks noGrp="1"/>
+          </p:cNvSpPr>
+          <p:nvPr>
+            <p:ph type="sldNum" sz="quarter" idx="12"/>
+          </p:nvPr>
+        </p:nvSpPr>
+        <p:spPr/>
+        <p:txBody>
+          <a:bodyPr/>
+          <a:lstStyle/>
+          <a:p>
+            <a:fld id="{A5B8A6B3-FE61-B84D-AA6F-5C7FC31546FA}" type="slidenum">
+              <a:rPr kumimoji="1" lang="zh-TW" altLang="en-US" smtClean="0"/>
+              <a:t>26</a:t>
+            </a:fld>
+            <a:endParaRPr kumimoji="1" lang="zh-TW" altLang="en-US"/>
+          </a:p>
+        </p:txBody>
+      </p:sp>
+      <p:sp>
+        <p:nvSpPr>
+          <p:cNvPr id="4" name="矩形 3">
+            <a:extLst>
+              <a:ext uri="{FF2B5EF4-FFF2-40B4-BE49-F238E27FC236}">
+                <a16:creationId xmlns:a16="http://schemas.microsoft.com/office/drawing/2014/main" id="{9021C062-0A37-7047-8CF0-73C1983EAD48}"/>
+              </a:ext>
+            </a:extLst>
+          </p:cNvPr>
+          <p:cNvSpPr/>
+          <p:nvPr/>
+        </p:nvSpPr>
+        <p:spPr>
+          <a:xfrm>
+            <a:off x="546904" y="1747777"/>
+            <a:ext cx="8063696" cy="2862322"/>
+          </a:xfrm>
+          <a:prstGeom prst="rect">
+            <a:avLst/>
+          </a:prstGeom>
+        </p:spPr>
+        <p:txBody>
+          <a:bodyPr wrap="square">
+            <a:spAutoFit/>
+          </a:bodyPr>
+          <a:lstStyle/>
+          <a:p>
+            <a:r>
+              <a:rPr lang="en" altLang="zh-TW" sz="900" dirty="0">
+                <a:solidFill>
+                  <a:srgbClr val="777777"/>
+                </a:solidFill>
+                <a:latin typeface="Menlo" panose="020B0609030804020204" pitchFamily="49" charset="0"/>
+              </a:rPr>
+              <a:t>#</a:t>
+            </a:r>
+            <a:r>
+              <a:rPr lang="en" altLang="zh-TW" sz="900" dirty="0">
+                <a:solidFill>
+                  <a:srgbClr val="AA3731"/>
+                </a:solidFill>
+                <a:latin typeface="Menlo" panose="020B0609030804020204" pitchFamily="49" charset="0"/>
+              </a:rPr>
+              <a:t> </a:t>
+            </a:r>
+            <a:r>
+              <a:rPr lang="en" altLang="zh-TW" sz="900" b="1" dirty="0">
+                <a:solidFill>
+                  <a:srgbClr val="AA3731"/>
+                </a:solidFill>
+                <a:latin typeface="Menlo" panose="020B0609030804020204" pitchFamily="49" charset="0"/>
+              </a:rPr>
+              <a:t>The file hierarchy is:</a:t>
+            </a:r>
+          </a:p>
+          <a:p>
+            <a:r>
+              <a:rPr lang="en" altLang="zh-TW" sz="900" dirty="0">
+                <a:solidFill>
+                  <a:srgbClr val="333333"/>
+                </a:solidFill>
+                <a:latin typeface="Menlo" panose="020B0609030804020204" pitchFamily="49" charset="0"/>
+              </a:rPr>
+              <a:t>├── 02-bloom</a:t>
+            </a:r>
+          </a:p>
+          <a:p>
+            <a:r>
+              <a:rPr lang="en" altLang="zh-TW" sz="900" dirty="0">
+                <a:solidFill>
+                  <a:srgbClr val="333333"/>
+                </a:solidFill>
+                <a:latin typeface="Menlo" panose="020B0609030804020204" pitchFamily="49" charset="0"/>
+              </a:rPr>
+              <a:t>│   ├── 1_overview.md</a:t>
+            </a:r>
+          </a:p>
+          <a:p>
+            <a:r>
+              <a:rPr lang="en" altLang="zh-TW" sz="900" dirty="0">
+                <a:solidFill>
+                  <a:srgbClr val="333333"/>
+                </a:solidFill>
+                <a:latin typeface="Menlo" panose="020B0609030804020204" pitchFamily="49" charset="0"/>
+              </a:rPr>
+              <a:t>│   ├── 2_experience-acceleration.md</a:t>
+            </a:r>
+          </a:p>
+          <a:p>
+            <a:r>
+              <a:rPr lang="en" altLang="zh-TW" sz="900" dirty="0">
+                <a:solidFill>
+                  <a:srgbClr val="333333"/>
+                </a:solidFill>
+                <a:latin typeface="Menlo" panose="020B0609030804020204" pitchFamily="49" charset="0"/>
+              </a:rPr>
+              <a:t>│   ├── 3_architect-the-application.md</a:t>
+            </a:r>
+          </a:p>
+          <a:p>
+            <a:r>
+              <a:rPr lang="en" altLang="zh-TW" sz="900" dirty="0">
+                <a:solidFill>
+                  <a:srgbClr val="333333"/>
+                </a:solidFill>
+                <a:latin typeface="Menlo" panose="020B0609030804020204" pitchFamily="49" charset="0"/>
+              </a:rPr>
+              <a:t>│   ├── 4_implement-kernel.md</a:t>
+            </a:r>
+          </a:p>
+          <a:p>
+            <a:r>
+              <a:rPr lang="en" altLang="zh-TW" sz="900" dirty="0">
+                <a:solidFill>
+                  <a:srgbClr val="333333"/>
+                </a:solidFill>
+                <a:latin typeface="Menlo" panose="020B0609030804020204" pitchFamily="49" charset="0"/>
+              </a:rPr>
+              <a:t>│   ├── 5_data-movement.md</a:t>
+            </a:r>
+          </a:p>
+          <a:p>
+            <a:r>
+              <a:rPr lang="en" altLang="zh-TW" sz="900" dirty="0">
+                <a:solidFill>
+                  <a:srgbClr val="333333"/>
+                </a:solidFill>
+                <a:latin typeface="Menlo" panose="020B0609030804020204" pitchFamily="49" charset="0"/>
+              </a:rPr>
+              <a:t>│   ├── 6_using-multiple-ddr.md</a:t>
+            </a:r>
+          </a:p>
+          <a:p>
+            <a:r>
+              <a:rPr lang="en" altLang="zh-TW" sz="900" dirty="0">
+                <a:solidFill>
+                  <a:srgbClr val="333333"/>
+                </a:solidFill>
+                <a:latin typeface="Menlo" panose="020B0609030804020204" pitchFamily="49" charset="0"/>
+              </a:rPr>
+              <a:t>│   ├── </a:t>
+            </a:r>
+            <a:r>
+              <a:rPr lang="en" altLang="zh-TW" sz="900" dirty="0" err="1">
+                <a:solidFill>
+                  <a:srgbClr val="333333"/>
+                </a:solidFill>
+                <a:latin typeface="Menlo" panose="020B0609030804020204" pitchFamily="49" charset="0"/>
+              </a:rPr>
+              <a:t>README.md</a:t>
+            </a:r>
+            <a:endParaRPr lang="en" altLang="zh-TW" sz="900" dirty="0">
+              <a:solidFill>
+                <a:srgbClr val="333333"/>
+              </a:solidFill>
+              <a:latin typeface="Menlo" panose="020B0609030804020204" pitchFamily="49" charset="0"/>
+            </a:endParaRPr>
+          </a:p>
+          <a:p>
+            <a:r>
+              <a:rPr lang="en" altLang="zh-TW" sz="900" dirty="0">
+                <a:solidFill>
+                  <a:srgbClr val="333333"/>
+                </a:solidFill>
+                <a:latin typeface="Menlo" panose="020B0609030804020204" pitchFamily="49" charset="0"/>
+              </a:rPr>
+              <a:t>│   ├── build</a:t>
+            </a:r>
+          </a:p>
+          <a:p>
+            <a:r>
+              <a:rPr lang="en" altLang="zh-TW" sz="900" dirty="0">
+                <a:solidFill>
+                  <a:srgbClr val="333333"/>
+                </a:solidFill>
+                <a:latin typeface="Menlo" panose="020B0609030804020204" pitchFamily="49" charset="0"/>
+              </a:rPr>
+              <a:t>│   ├── </a:t>
+            </a:r>
+            <a:r>
+              <a:rPr lang="en" altLang="zh-TW" sz="900" dirty="0" err="1">
+                <a:solidFill>
+                  <a:srgbClr val="333333"/>
+                </a:solidFill>
+                <a:latin typeface="Menlo" panose="020B0609030804020204" pitchFamily="49" charset="0"/>
+              </a:rPr>
+              <a:t>cpu_src</a:t>
+            </a:r>
+            <a:endParaRPr lang="en" altLang="zh-TW" sz="900" dirty="0">
+              <a:solidFill>
+                <a:srgbClr val="333333"/>
+              </a:solidFill>
+              <a:latin typeface="Menlo" panose="020B0609030804020204" pitchFamily="49" charset="0"/>
+            </a:endParaRPr>
+          </a:p>
+          <a:p>
+            <a:r>
+              <a:rPr lang="en" altLang="zh-TW" sz="900" dirty="0">
+                <a:solidFill>
+                  <a:srgbClr val="333333"/>
+                </a:solidFill>
+                <a:latin typeface="Menlo" panose="020B0609030804020204" pitchFamily="49" charset="0"/>
+              </a:rPr>
+              <a:t>│   ├── images</a:t>
+            </a:r>
+          </a:p>
+          <a:p>
+            <a:r>
+              <a:rPr lang="en" altLang="zh-TW" sz="900" dirty="0">
+                <a:solidFill>
+                  <a:srgbClr val="333333"/>
+                </a:solidFill>
+                <a:latin typeface="Menlo" panose="020B0609030804020204" pitchFamily="49" charset="0"/>
+              </a:rPr>
+              <a:t>│   ├── </a:t>
+            </a:r>
+            <a:r>
+              <a:rPr lang="en" altLang="zh-TW" sz="900" dirty="0" err="1">
+                <a:solidFill>
+                  <a:srgbClr val="333333"/>
+                </a:solidFill>
+                <a:latin typeface="Menlo" panose="020B0609030804020204" pitchFamily="49" charset="0"/>
+              </a:rPr>
+              <a:t>makefile</a:t>
+            </a:r>
+            <a:endParaRPr lang="en" altLang="zh-TW" sz="900" dirty="0">
+              <a:solidFill>
+                <a:srgbClr val="333333"/>
+              </a:solidFill>
+              <a:latin typeface="Menlo" panose="020B0609030804020204" pitchFamily="49" charset="0"/>
+            </a:endParaRPr>
+          </a:p>
+          <a:p>
+            <a:r>
+              <a:rPr lang="en" altLang="zh-TW" sz="900" dirty="0">
+                <a:solidFill>
+                  <a:srgbClr val="333333"/>
+                </a:solidFill>
+                <a:latin typeface="Menlo" panose="020B0609030804020204" pitchFamily="49" charset="0"/>
+              </a:rPr>
+              <a:t>│   └── </a:t>
+            </a:r>
+            <a:r>
+              <a:rPr lang="en" altLang="zh-TW" sz="900" dirty="0" err="1">
+                <a:solidFill>
+                  <a:srgbClr val="333333"/>
+                </a:solidFill>
+                <a:latin typeface="Menlo" panose="020B0609030804020204" pitchFamily="49" charset="0"/>
+              </a:rPr>
+              <a:t>reference_files</a:t>
+            </a:r>
+            <a:endParaRPr lang="en" altLang="zh-TW" sz="900" dirty="0">
+              <a:solidFill>
+                <a:srgbClr val="333333"/>
+              </a:solidFill>
+              <a:latin typeface="Menlo" panose="020B0609030804020204" pitchFamily="49" charset="0"/>
+            </a:endParaRPr>
+          </a:p>
+          <a:p>
+            <a:r>
+              <a:rPr lang="en" altLang="zh-TW" sz="900" dirty="0">
+                <a:solidFill>
+                  <a:srgbClr val="333333"/>
+                </a:solidFill>
+                <a:latin typeface="Menlo" panose="020B0609030804020204" pitchFamily="49" charset="0"/>
+              </a:rPr>
+              <a:t>└── </a:t>
+            </a:r>
+            <a:r>
+              <a:rPr lang="en" altLang="zh-TW" sz="900" dirty="0" err="1">
+                <a:solidFill>
+                  <a:srgbClr val="333333"/>
+                </a:solidFill>
+                <a:latin typeface="Menlo" panose="020B0609030804020204" pitchFamily="49" charset="0"/>
+              </a:rPr>
+              <a:t>report_and_slides</a:t>
+            </a:r>
+            <a:endParaRPr lang="en" altLang="zh-TW" sz="900" dirty="0">
+              <a:solidFill>
+                <a:srgbClr val="333333"/>
+              </a:solidFill>
+              <a:latin typeface="Menlo" panose="020B0609030804020204" pitchFamily="49" charset="0"/>
+            </a:endParaRPr>
+          </a:p>
+          <a:p>
+            <a:r>
+              <a:rPr lang="en" altLang="zh-TW" sz="900" dirty="0">
+                <a:solidFill>
+                  <a:srgbClr val="333333"/>
+                </a:solidFill>
+                <a:latin typeface="Menlo" panose="020B0609030804020204" pitchFamily="49" charset="0"/>
+              </a:rPr>
+              <a:t>    ├── Lab_3_R09921132_</a:t>
+            </a:r>
+            <a:r>
+              <a:rPr lang="zh-TW" altLang="en-US" sz="900" dirty="0">
+                <a:solidFill>
+                  <a:srgbClr val="333333"/>
+                </a:solidFill>
+                <a:latin typeface="Menlo" panose="020B0609030804020204" pitchFamily="49" charset="0"/>
+              </a:rPr>
+              <a:t>劉彥甫</a:t>
+            </a:r>
+            <a:r>
+              <a:rPr lang="en-US" altLang="zh-TW" sz="900" dirty="0">
+                <a:solidFill>
+                  <a:srgbClr val="333333"/>
+                </a:solidFill>
+                <a:latin typeface="Menlo" panose="020B0609030804020204" pitchFamily="49" charset="0"/>
+              </a:rPr>
+              <a:t>.</a:t>
+            </a:r>
+            <a:r>
+              <a:rPr lang="en" altLang="zh-TW" sz="900" dirty="0">
+                <a:solidFill>
+                  <a:srgbClr val="333333"/>
+                </a:solidFill>
+                <a:latin typeface="Menlo" panose="020B0609030804020204" pitchFamily="49" charset="0"/>
+              </a:rPr>
+              <a:t>pptx</a:t>
+            </a:r>
+          </a:p>
+          <a:p>
+            <a:r>
+              <a:rPr lang="en" altLang="zh-TW" sz="900" dirty="0">
+                <a:solidFill>
+                  <a:srgbClr val="333333"/>
+                </a:solidFill>
+                <a:latin typeface="Menlo" panose="020B0609030804020204" pitchFamily="49" charset="0"/>
+              </a:rPr>
+              <a:t>    └── R09921132_report.pdf</a:t>
+            </a:r>
+          </a:p>
+          <a:p>
+            <a:r>
+              <a:rPr lang="en" altLang="zh-TW" sz="900" dirty="0">
+                <a:solidFill>
+                  <a:srgbClr val="333333"/>
+                </a:solidFill>
+                <a:latin typeface="Menlo" panose="020B0609030804020204" pitchFamily="49" charset="0"/>
+              </a:rPr>
+              <a:t>7 directories, 9 files</a:t>
+            </a:r>
+          </a:p>
+          <a:p>
+            <a:br>
+              <a:rPr lang="en" altLang="zh-TW" sz="900" dirty="0">
+                <a:solidFill>
+                  <a:srgbClr val="333333"/>
+                </a:solidFill>
+                <a:latin typeface="Menlo" panose="020B0609030804020204" pitchFamily="49" charset="0"/>
+              </a:rPr>
+            </a:br>
+            <a:endParaRPr lang="en" altLang="zh-TW" sz="900" b="0" dirty="0">
+              <a:solidFill>
+                <a:srgbClr val="333333"/>
+              </a:solidFill>
+              <a:effectLst/>
+              <a:latin typeface="Menlo" panose="020B0609030804020204" pitchFamily="49" charset="0"/>
+            </a:endParaRPr>
+          </a:p>
+        </p:txBody>
+      </p:sp>
+      <p:sp>
+        <p:nvSpPr>
+          <p:cNvPr id="5" name="矩形 4">
+            <a:extLst>
+              <a:ext uri="{FF2B5EF4-FFF2-40B4-BE49-F238E27FC236}">
+                <a16:creationId xmlns:a16="http://schemas.microsoft.com/office/drawing/2014/main" id="{BB659E75-AAA3-7441-846E-96A312CA0358}"/>
+              </a:ext>
+            </a:extLst>
+          </p:cNvPr>
+          <p:cNvSpPr/>
+          <p:nvPr/>
+        </p:nvSpPr>
+        <p:spPr>
+          <a:xfrm>
+            <a:off x="546904" y="6195325"/>
+            <a:ext cx="8701268" cy="369332"/>
+          </a:xfrm>
+          <a:prstGeom prst="rect">
+            <a:avLst/>
+          </a:prstGeom>
+        </p:spPr>
+        <p:txBody>
+          <a:bodyPr wrap="square">
+            <a:spAutoFit/>
+          </a:bodyPr>
+          <a:lstStyle/>
+          <a:p>
+            <a:r>
+              <a:rPr lang="en" altLang="zh-TW" dirty="0"/>
+              <a:t>https://</a:t>
+            </a:r>
+            <a:r>
+              <a:rPr lang="en" altLang="zh-TW" dirty="0" err="1"/>
+              <a:t>github.com</a:t>
+            </a:r>
+            <a:r>
+              <a:rPr lang="en" altLang="zh-TW" dirty="0"/>
+              <a:t>/</a:t>
+            </a:r>
+            <a:r>
+              <a:rPr lang="en" altLang="zh-TW" dirty="0" err="1"/>
+              <a:t>Waxpple</a:t>
+            </a:r>
+            <a:r>
+              <a:rPr lang="en" altLang="zh-TW" dirty="0"/>
+              <a:t>/HLS_2021_FALL_LABB</a:t>
+            </a:r>
+            <a:endParaRPr lang="zh-TW" altLang="en-US" dirty="0"/>
+          </a:p>
+        </p:txBody>
+      </p:sp>
+    </p:spTree>
+    <p:extLst>
+      <p:ext uri="{BB962C8B-B14F-4D97-AF65-F5344CB8AC3E}">
+        <p14:creationId xmlns:p14="http://schemas.microsoft.com/office/powerpoint/2010/main" val="3881036617"/>
+      </p:ext>
+    </p:extLst>
+  </p:cSld>
+  <p:clrMapOvr>
+    <a:masterClrMapping/>
+  </p:clrMapOvr>
+</p:sld>
+</file>
+
+<file path=ppt/slides/slide27.xml><?xml version="1.0" encoding="utf-8"?>
+<p:sld xmlns:a="http://schemas.openxmlformats.org/drawingml/2006/main" xmlns:r="http://schemas.openxmlformats.org/officeDocument/2006/relationships" xmlns:p="http://schemas.openxmlformats.org/presentationml/2006/main">
+  <p:cSld>
+    <p:spTree>
+      <p:nvGrpSpPr>
+        <p:cNvPr id="1" name=""/>
+        <p:cNvGrpSpPr/>
+        <p:nvPr/>
+      </p:nvGrpSpPr>
+      <p:grpSpPr>
+        <a:xfrm>
+          <a:off x="0" y="0"/>
+          <a:ext cx="0" cy="0"/>
+          <a:chOff x="0" y="0"/>
+          <a:chExt cx="0" cy="0"/>
+        </a:xfrm>
+      </p:grpSpPr>
+      <p:sp>
+        <p:nvSpPr>
           <p:cNvPr id="4" name="TextBox 3">
             <a:extLst>
               <a:ext uri="{FF2B5EF4-FFF2-40B4-BE49-F238E27FC236}">
@@ -8793,7 +9295,7 @@
           <a:p>
             <a:fld id="{E69C5C46-7C59-AA46-BAEB-CF14D43F9816}" type="slidenum">
               <a:rPr kumimoji="1" lang="zh-TW" altLang="en-US" smtClean="0"/>
-              <a:t>23</a:t>
+              <a:t>27</a:t>
             </a:fld>
             <a:endParaRPr kumimoji="1" lang="zh-TW" altLang="en-US"/>
           </a:p>
